--- a/doc/Comparison of Algorithms for the Prediction of COVID-19.pptx
+++ b/doc/Comparison of Algorithms for the Prediction of COVID-19.pptx
@@ -11,6 +11,7 @@
     <p:sldId id="259" r:id="rId5"/>
     <p:sldId id="260" r:id="rId6"/>
     <p:sldId id="261" r:id="rId7"/>
+    <p:sldId id="262" r:id="rId8"/>
   </p:sldIdLst>
   <p:sldSz cx="12192000" cy="6858000"/>
   <p:notesSz cx="6858000" cy="9144000"/>
@@ -266,7 +267,7 @@
           <a:p>
             <a:fld id="{69EF58AE-A150-436C-A66E-79C9DB882BA4}" type="datetimeFigureOut">
               <a:rPr lang="en-US" smtClean="0"/>
-              <a:t>4/13/2020</a:t>
+              <a:t>5/28/2020</a:t>
             </a:fld>
             <a:endParaRPr lang="en-US"/>
           </a:p>
@@ -466,7 +467,7 @@
           <a:p>
             <a:fld id="{69EF58AE-A150-436C-A66E-79C9DB882BA4}" type="datetimeFigureOut">
               <a:rPr lang="en-US" smtClean="0"/>
-              <a:t>4/13/2020</a:t>
+              <a:t>5/28/2020</a:t>
             </a:fld>
             <a:endParaRPr lang="en-US"/>
           </a:p>
@@ -676,7 +677,7 @@
           <a:p>
             <a:fld id="{69EF58AE-A150-436C-A66E-79C9DB882BA4}" type="datetimeFigureOut">
               <a:rPr lang="en-US" smtClean="0"/>
-              <a:t>4/13/2020</a:t>
+              <a:t>5/28/2020</a:t>
             </a:fld>
             <a:endParaRPr lang="en-US"/>
           </a:p>
@@ -876,7 +877,7 @@
           <a:p>
             <a:fld id="{69EF58AE-A150-436C-A66E-79C9DB882BA4}" type="datetimeFigureOut">
               <a:rPr lang="en-US" smtClean="0"/>
-              <a:t>4/13/2020</a:t>
+              <a:t>5/28/2020</a:t>
             </a:fld>
             <a:endParaRPr lang="en-US"/>
           </a:p>
@@ -1152,7 +1153,7 @@
           <a:p>
             <a:fld id="{69EF58AE-A150-436C-A66E-79C9DB882BA4}" type="datetimeFigureOut">
               <a:rPr lang="en-US" smtClean="0"/>
-              <a:t>4/13/2020</a:t>
+              <a:t>5/28/2020</a:t>
             </a:fld>
             <a:endParaRPr lang="en-US"/>
           </a:p>
@@ -1420,7 +1421,7 @@
           <a:p>
             <a:fld id="{69EF58AE-A150-436C-A66E-79C9DB882BA4}" type="datetimeFigureOut">
               <a:rPr lang="en-US" smtClean="0"/>
-              <a:t>4/13/2020</a:t>
+              <a:t>5/28/2020</a:t>
             </a:fld>
             <a:endParaRPr lang="en-US"/>
           </a:p>
@@ -1835,7 +1836,7 @@
           <a:p>
             <a:fld id="{69EF58AE-A150-436C-A66E-79C9DB882BA4}" type="datetimeFigureOut">
               <a:rPr lang="en-US" smtClean="0"/>
-              <a:t>4/13/2020</a:t>
+              <a:t>5/28/2020</a:t>
             </a:fld>
             <a:endParaRPr lang="en-US"/>
           </a:p>
@@ -1977,7 +1978,7 @@
           <a:p>
             <a:fld id="{69EF58AE-A150-436C-A66E-79C9DB882BA4}" type="datetimeFigureOut">
               <a:rPr lang="en-US" smtClean="0"/>
-              <a:t>4/13/2020</a:t>
+              <a:t>5/28/2020</a:t>
             </a:fld>
             <a:endParaRPr lang="en-US"/>
           </a:p>
@@ -2090,7 +2091,7 @@
           <a:p>
             <a:fld id="{69EF58AE-A150-436C-A66E-79C9DB882BA4}" type="datetimeFigureOut">
               <a:rPr lang="en-US" smtClean="0"/>
-              <a:t>4/13/2020</a:t>
+              <a:t>5/28/2020</a:t>
             </a:fld>
             <a:endParaRPr lang="en-US"/>
           </a:p>
@@ -2403,7 +2404,7 @@
           <a:p>
             <a:fld id="{69EF58AE-A150-436C-A66E-79C9DB882BA4}" type="datetimeFigureOut">
               <a:rPr lang="en-US" smtClean="0"/>
-              <a:t>4/13/2020</a:t>
+              <a:t>5/28/2020</a:t>
             </a:fld>
             <a:endParaRPr lang="en-US"/>
           </a:p>
@@ -2692,7 +2693,7 @@
           <a:p>
             <a:fld id="{69EF58AE-A150-436C-A66E-79C9DB882BA4}" type="datetimeFigureOut">
               <a:rPr lang="en-US" smtClean="0"/>
-              <a:t>4/13/2020</a:t>
+              <a:t>5/28/2020</a:t>
             </a:fld>
             <a:endParaRPr lang="en-US"/>
           </a:p>
@@ -2935,7 +2936,7 @@
           <a:p>
             <a:fld id="{69EF58AE-A150-436C-A66E-79C9DB882BA4}" type="datetimeFigureOut">
               <a:rPr lang="en-US" smtClean="0"/>
-              <a:t>4/13/2020</a:t>
+              <a:t>5/28/2020</a:t>
             </a:fld>
             <a:endParaRPr lang="en-US"/>
           </a:p>
@@ -4028,7 +4029,7 @@
           <a:p>
             <a:r>
               <a:rPr lang="en-US" altLang="ko-KR" dirty="0"/>
-              <a:t>Action items</a:t>
+              <a:t>Action items 5/25/2020</a:t>
             </a:r>
             <a:endParaRPr lang="en-US" dirty="0"/>
           </a:p>
@@ -4070,23 +4071,7 @@
             <a:pPr lvl="1"/>
             <a:r>
               <a:rPr lang="ko-KR" altLang="en-US" dirty="0"/>
-              <a:t>데이터 수집</a:t>
-            </a:r>
-            <a:r>
-              <a:rPr lang="en-US" altLang="ko-KR" dirty="0"/>
-              <a:t>/</a:t>
-            </a:r>
-            <a:r>
-              <a:rPr lang="ko-KR" altLang="en-US" dirty="0"/>
-              <a:t>선정</a:t>
-            </a:r>
-            <a:endParaRPr lang="en-US" altLang="ko-KR" dirty="0"/>
-          </a:p>
-          <a:p>
-            <a:pPr lvl="1"/>
-            <a:r>
-              <a:rPr lang="ko-KR" altLang="en-US" dirty="0"/>
-              <a:t>섹션 선택</a:t>
+              <a:t>페이퍼 작성</a:t>
             </a:r>
             <a:endParaRPr lang="en-US" altLang="ko-KR" dirty="0"/>
           </a:p>
@@ -4104,20 +4089,9 @@
             <a:pPr lvl="1"/>
             <a:r>
               <a:rPr lang="ko-KR" altLang="en-US" dirty="0"/>
-              <a:t>융합 알고리즘 </a:t>
-            </a:r>
-            <a:r>
-              <a:rPr lang="en-US" altLang="ko-KR" dirty="0"/>
-              <a:t>(</a:t>
-            </a:r>
-            <a:r>
-              <a:rPr lang="ko-KR" altLang="en-US" dirty="0"/>
-              <a:t>평균</a:t>
-            </a:r>
-            <a:r>
-              <a:rPr lang="en-US" altLang="ko-KR" dirty="0"/>
-              <a:t>)</a:t>
-            </a:r>
+              <a:t>페이퍼 작성</a:t>
+            </a:r>
+            <a:endParaRPr lang="en-US" altLang="ko-KR" dirty="0"/>
           </a:p>
           <a:p>
             <a:r>
@@ -4133,15 +4107,7 @@
             <a:pPr lvl="1"/>
             <a:r>
               <a:rPr lang="ko-KR" altLang="en-US" dirty="0"/>
-              <a:t>데이터 수집</a:t>
-            </a:r>
-            <a:r>
-              <a:rPr lang="en-US" altLang="ko-KR" dirty="0"/>
-              <a:t>/</a:t>
-            </a:r>
-            <a:r>
-              <a:rPr lang="ko-KR" altLang="en-US" dirty="0"/>
-              <a:t>선정</a:t>
+              <a:t>페이퍼 작성</a:t>
             </a:r>
             <a:endParaRPr lang="en-US" altLang="ko-KR" dirty="0"/>
           </a:p>
@@ -4169,20 +4135,15 @@
             </a:r>
             <a:r>
               <a:rPr lang="ko-KR" altLang="en-US" dirty="0"/>
-              <a:t>알고리즘 비교 </a:t>
-            </a:r>
-            <a:r>
-              <a:rPr lang="en-US" altLang="ko-KR" dirty="0"/>
-              <a:t>(4</a:t>
-            </a:r>
-            <a:r>
-              <a:rPr lang="ko-KR" altLang="en-US" dirty="0"/>
-              <a:t>종</a:t>
-            </a:r>
-            <a:r>
-              <a:rPr lang="en-US" altLang="ko-KR" dirty="0"/>
-              <a:t>)</a:t>
-            </a:r>
+              <a:t>알고리즘 코드 작성 및 페이퍼 작성</a:t>
+            </a:r>
+            <a:endParaRPr lang="en-US" altLang="ko-KR" dirty="0"/>
+          </a:p>
+          <a:p>
+            <a:pPr marL="457200" lvl="1" indent="0">
+              <a:buNone/>
+            </a:pPr>
+            <a:endParaRPr lang="en-US" altLang="ko-KR" dirty="0"/>
           </a:p>
           <a:p>
             <a:endParaRPr lang="en-US" dirty="0"/>
@@ -4193,6 +4154,371 @@
     <p:extLst>
       <p:ext uri="{BB962C8B-B14F-4D97-AF65-F5344CB8AC3E}">
         <p14:creationId xmlns:p14="http://schemas.microsoft.com/office/powerpoint/2010/main" val="1063826553"/>
+      </p:ext>
+    </p:extLst>
+  </p:cSld>
+  <p:clrMapOvr>
+    <a:masterClrMapping/>
+  </p:clrMapOvr>
+</p:sld>
+</file>
+
+<file path=ppt/slides/slide7.xml><?xml version="1.0" encoding="utf-8"?>
+<p:sld xmlns:a="http://schemas.openxmlformats.org/drawingml/2006/main" xmlns:r="http://schemas.openxmlformats.org/officeDocument/2006/relationships" xmlns:p="http://schemas.openxmlformats.org/presentationml/2006/main">
+  <p:cSld>
+    <p:spTree>
+      <p:nvGrpSpPr>
+        <p:cNvPr id="1" name=""/>
+        <p:cNvGrpSpPr/>
+        <p:nvPr/>
+      </p:nvGrpSpPr>
+      <p:grpSpPr>
+        <a:xfrm>
+          <a:off x="0" y="0"/>
+          <a:ext cx="0" cy="0"/>
+          <a:chOff x="0" y="0"/>
+          <a:chExt cx="0" cy="0"/>
+        </a:xfrm>
+      </p:grpSpPr>
+      <p:pic>
+        <p:nvPicPr>
+          <p:cNvPr id="4" name="그림 3">
+            <a:extLst>
+              <a:ext uri="{FF2B5EF4-FFF2-40B4-BE49-F238E27FC236}">
+                <a16:creationId xmlns:a16="http://schemas.microsoft.com/office/drawing/2014/main" id="{0CC81A37-2089-40C3-9229-EAF556183F18}"/>
+              </a:ext>
+            </a:extLst>
+          </p:cNvPr>
+          <p:cNvPicPr>
+            <a:picLocks noChangeAspect="1"/>
+          </p:cNvPicPr>
+          <p:nvPr/>
+        </p:nvPicPr>
+        <p:blipFill>
+          <a:blip r:embed="rId2"/>
+          <a:stretch>
+            <a:fillRect/>
+          </a:stretch>
+        </p:blipFill>
+        <p:spPr>
+          <a:xfrm>
+            <a:off x="2310679" y="4052685"/>
+            <a:ext cx="4236425" cy="2629942"/>
+          </a:xfrm>
+          <a:prstGeom prst="rect">
+            <a:avLst/>
+          </a:prstGeom>
+        </p:spPr>
+      </p:pic>
+      <p:pic>
+        <p:nvPicPr>
+          <p:cNvPr id="5" name="그림 4">
+            <a:extLst>
+              <a:ext uri="{FF2B5EF4-FFF2-40B4-BE49-F238E27FC236}">
+                <a16:creationId xmlns:a16="http://schemas.microsoft.com/office/drawing/2014/main" id="{6EAA3DBB-0819-4B0D-9BD5-351023B99019}"/>
+              </a:ext>
+            </a:extLst>
+          </p:cNvPr>
+          <p:cNvPicPr>
+            <a:picLocks noChangeAspect="1"/>
+          </p:cNvPicPr>
+          <p:nvPr/>
+        </p:nvPicPr>
+        <p:blipFill>
+          <a:blip r:embed="rId3"/>
+          <a:stretch>
+            <a:fillRect/>
+          </a:stretch>
+        </p:blipFill>
+        <p:spPr>
+          <a:xfrm>
+            <a:off x="1175641" y="412595"/>
+            <a:ext cx="7511160" cy="2800018"/>
+          </a:xfrm>
+          <a:prstGeom prst="rect">
+            <a:avLst/>
+          </a:prstGeom>
+        </p:spPr>
+      </p:pic>
+      <p:sp>
+        <p:nvSpPr>
+          <p:cNvPr id="6" name="TextBox 5">
+            <a:extLst>
+              <a:ext uri="{FF2B5EF4-FFF2-40B4-BE49-F238E27FC236}">
+                <a16:creationId xmlns:a16="http://schemas.microsoft.com/office/drawing/2014/main" id="{955E3055-41B9-4186-9098-D90B322E8549}"/>
+              </a:ext>
+            </a:extLst>
+          </p:cNvPr>
+          <p:cNvSpPr txBox="1"/>
+          <p:nvPr/>
+        </p:nvSpPr>
+        <p:spPr>
+          <a:xfrm>
+            <a:off x="1661938" y="227929"/>
+            <a:ext cx="2307042" cy="369332"/>
+          </a:xfrm>
+          <a:prstGeom prst="rect">
+            <a:avLst/>
+          </a:prstGeom>
+          <a:noFill/>
+        </p:spPr>
+        <p:txBody>
+          <a:bodyPr wrap="none" rtlCol="0">
+            <a:spAutoFit/>
+          </a:bodyPr>
+          <a:lstStyle/>
+          <a:p>
+            <a:r>
+              <a:rPr lang="en-US" dirty="0"/>
+              <a:t>1</a:t>
+            </a:r>
+            <a:r>
+              <a:rPr lang="ko-KR" altLang="en-US" dirty="0"/>
+              <a:t>차 페이퍼 연구 지점</a:t>
+            </a:r>
+            <a:endParaRPr lang="en-US" dirty="0"/>
+          </a:p>
+        </p:txBody>
+      </p:sp>
+      <p:sp>
+        <p:nvSpPr>
+          <p:cNvPr id="7" name="오른쪽 중괄호 6">
+            <a:extLst>
+              <a:ext uri="{FF2B5EF4-FFF2-40B4-BE49-F238E27FC236}">
+                <a16:creationId xmlns:a16="http://schemas.microsoft.com/office/drawing/2014/main" id="{F9471D2D-8F06-4C2E-B606-B318B25BC69A}"/>
+              </a:ext>
+            </a:extLst>
+          </p:cNvPr>
+          <p:cNvSpPr/>
+          <p:nvPr/>
+        </p:nvSpPr>
+        <p:spPr>
+          <a:xfrm rot="16200000">
+            <a:off x="2695584" y="-436120"/>
+            <a:ext cx="239751" cy="2196344"/>
+          </a:xfrm>
+          <a:prstGeom prst="rightBrace">
+            <a:avLst/>
+          </a:prstGeom>
+        </p:spPr>
+        <p:style>
+          <a:lnRef idx="1">
+            <a:schemeClr val="accent1"/>
+          </a:lnRef>
+          <a:fillRef idx="0">
+            <a:schemeClr val="accent1"/>
+          </a:fillRef>
+          <a:effectRef idx="0">
+            <a:schemeClr val="accent1"/>
+          </a:effectRef>
+          <a:fontRef idx="minor">
+            <a:schemeClr val="tx1"/>
+          </a:fontRef>
+        </p:style>
+        <p:txBody>
+          <a:bodyPr rtlCol="0" anchor="ctr"/>
+          <a:lstStyle/>
+          <a:p>
+            <a:pPr algn="ctr"/>
+            <a:endParaRPr lang="en-US"/>
+          </a:p>
+        </p:txBody>
+      </p:sp>
+      <p:sp>
+        <p:nvSpPr>
+          <p:cNvPr id="8" name="TextBox 7">
+            <a:extLst>
+              <a:ext uri="{FF2B5EF4-FFF2-40B4-BE49-F238E27FC236}">
+                <a16:creationId xmlns:a16="http://schemas.microsoft.com/office/drawing/2014/main" id="{733D0121-69DF-4904-AB62-0EDF04B58534}"/>
+              </a:ext>
+            </a:extLst>
+          </p:cNvPr>
+          <p:cNvSpPr txBox="1"/>
+          <p:nvPr/>
+        </p:nvSpPr>
+        <p:spPr>
+          <a:xfrm>
+            <a:off x="3439372" y="3312353"/>
+            <a:ext cx="5460982" cy="369332"/>
+          </a:xfrm>
+          <a:prstGeom prst="rect">
+            <a:avLst/>
+          </a:prstGeom>
+          <a:noFill/>
+        </p:spPr>
+        <p:txBody>
+          <a:bodyPr wrap="none" rtlCol="0">
+            <a:spAutoFit/>
+          </a:bodyPr>
+          <a:lstStyle/>
+          <a:p>
+            <a:r>
+              <a:rPr lang="en-US" dirty="0"/>
+              <a:t>2</a:t>
+            </a:r>
+            <a:r>
+              <a:rPr lang="ko-KR" altLang="en-US" dirty="0"/>
+              <a:t>차 페이퍼 연구 지점 </a:t>
+            </a:r>
+            <a:r>
+              <a:rPr lang="en-US" altLang="ko-KR" dirty="0"/>
+              <a:t>(Lockdown type </a:t>
+            </a:r>
+            <a:r>
+              <a:rPr lang="ko-KR" altLang="en-US" dirty="0"/>
+              <a:t>등을 넣고 연구</a:t>
+            </a:r>
+            <a:r>
+              <a:rPr lang="en-US" altLang="ko-KR" dirty="0"/>
+              <a:t>)</a:t>
+            </a:r>
+            <a:endParaRPr lang="en-US" dirty="0"/>
+          </a:p>
+        </p:txBody>
+      </p:sp>
+      <p:sp>
+        <p:nvSpPr>
+          <p:cNvPr id="9" name="오른쪽 중괄호 8">
+            <a:extLst>
+              <a:ext uri="{FF2B5EF4-FFF2-40B4-BE49-F238E27FC236}">
+                <a16:creationId xmlns:a16="http://schemas.microsoft.com/office/drawing/2014/main" id="{98719D07-A6AA-44B0-B1D3-BD69A7BA3CF7}"/>
+              </a:ext>
+            </a:extLst>
+          </p:cNvPr>
+          <p:cNvSpPr/>
+          <p:nvPr/>
+        </p:nvSpPr>
+        <p:spPr>
+          <a:xfrm rot="16200000">
+            <a:off x="4309016" y="1683348"/>
+            <a:ext cx="239751" cy="4236426"/>
+          </a:xfrm>
+          <a:prstGeom prst="rightBrace">
+            <a:avLst/>
+          </a:prstGeom>
+        </p:spPr>
+        <p:style>
+          <a:lnRef idx="1">
+            <a:schemeClr val="accent1"/>
+          </a:lnRef>
+          <a:fillRef idx="0">
+            <a:schemeClr val="accent1"/>
+          </a:fillRef>
+          <a:effectRef idx="0">
+            <a:schemeClr val="accent1"/>
+          </a:effectRef>
+          <a:fontRef idx="minor">
+            <a:schemeClr val="tx1"/>
+          </a:fontRef>
+        </p:style>
+        <p:txBody>
+          <a:bodyPr rtlCol="0" anchor="ctr"/>
+          <a:lstStyle/>
+          <a:p>
+            <a:pPr algn="ctr"/>
+            <a:endParaRPr lang="en-US"/>
+          </a:p>
+        </p:txBody>
+      </p:sp>
+      <p:sp>
+        <p:nvSpPr>
+          <p:cNvPr id="11" name="오른쪽 중괄호 10">
+            <a:extLst>
+              <a:ext uri="{FF2B5EF4-FFF2-40B4-BE49-F238E27FC236}">
+                <a16:creationId xmlns:a16="http://schemas.microsoft.com/office/drawing/2014/main" id="{90436E48-8890-4537-9F7F-880AEB416613}"/>
+              </a:ext>
+            </a:extLst>
+          </p:cNvPr>
+          <p:cNvSpPr/>
+          <p:nvPr/>
+        </p:nvSpPr>
+        <p:spPr>
+          <a:xfrm rot="5400000">
+            <a:off x="6049988" y="1128517"/>
+            <a:ext cx="239751" cy="4236426"/>
+          </a:xfrm>
+          <a:prstGeom prst="rightBrace">
+            <a:avLst/>
+          </a:prstGeom>
+        </p:spPr>
+        <p:style>
+          <a:lnRef idx="1">
+            <a:schemeClr val="accent1"/>
+          </a:lnRef>
+          <a:fillRef idx="0">
+            <a:schemeClr val="accent1"/>
+          </a:fillRef>
+          <a:effectRef idx="0">
+            <a:schemeClr val="accent1"/>
+          </a:effectRef>
+          <a:fontRef idx="minor">
+            <a:schemeClr val="tx1"/>
+          </a:fontRef>
+        </p:style>
+        <p:txBody>
+          <a:bodyPr rtlCol="0" anchor="ctr"/>
+          <a:lstStyle/>
+          <a:p>
+            <a:pPr algn="ctr"/>
+            <a:endParaRPr lang="en-US"/>
+          </a:p>
+        </p:txBody>
+      </p:sp>
+      <p:sp>
+        <p:nvSpPr>
+          <p:cNvPr id="2" name="TextBox 1">
+            <a:extLst>
+              <a:ext uri="{FF2B5EF4-FFF2-40B4-BE49-F238E27FC236}">
+                <a16:creationId xmlns:a16="http://schemas.microsoft.com/office/drawing/2014/main" id="{96B78325-F4E9-436B-82D6-EAFEAC477779}"/>
+              </a:ext>
+            </a:extLst>
+          </p:cNvPr>
+          <p:cNvSpPr txBox="1"/>
+          <p:nvPr/>
+        </p:nvSpPr>
+        <p:spPr>
+          <a:xfrm>
+            <a:off x="4051650" y="172843"/>
+            <a:ext cx="1600118" cy="646331"/>
+          </a:xfrm>
+          <a:prstGeom prst="rect">
+            <a:avLst/>
+          </a:prstGeom>
+          <a:noFill/>
+        </p:spPr>
+        <p:txBody>
+          <a:bodyPr wrap="none" rtlCol="0">
+            <a:spAutoFit/>
+          </a:bodyPr>
+          <a:lstStyle/>
+          <a:p>
+            <a:r>
+              <a:rPr lang="en-US" dirty="0"/>
+              <a:t>4/7</a:t>
+            </a:r>
+            <a:r>
+              <a:rPr lang="ko-KR" altLang="en-US" dirty="0"/>
+              <a:t>까지 학습</a:t>
+            </a:r>
+            <a:endParaRPr lang="en-US" altLang="ko-KR" dirty="0"/>
+          </a:p>
+          <a:p>
+            <a:r>
+              <a:rPr lang="en-US" dirty="0"/>
+              <a:t>~5/7</a:t>
+            </a:r>
+            <a:r>
+              <a:rPr lang="ko-KR" altLang="en-US" dirty="0"/>
+              <a:t>까지 예측</a:t>
+            </a:r>
+            <a:endParaRPr lang="en-US" dirty="0"/>
+          </a:p>
+        </p:txBody>
+      </p:sp>
+    </p:spTree>
+    <p:extLst>
+      <p:ext uri="{BB962C8B-B14F-4D97-AF65-F5344CB8AC3E}">
+        <p14:creationId xmlns:p14="http://schemas.microsoft.com/office/powerpoint/2010/main" val="1226908620"/>
       </p:ext>
     </p:extLst>
   </p:cSld>

--- a/doc/Comparison of Algorithms for the Prediction of COVID-19.pptx
+++ b/doc/Comparison of Algorithms for the Prediction of COVID-19.pptx
@@ -12,6 +12,7 @@
     <p:sldId id="260" r:id="rId6"/>
     <p:sldId id="261" r:id="rId7"/>
     <p:sldId id="262" r:id="rId8"/>
+    <p:sldId id="263" r:id="rId9"/>
   </p:sldIdLst>
   <p:sldSz cx="12192000" cy="6858000"/>
   <p:notesSz cx="6858000" cy="9144000"/>
@@ -4528,6 +4529,202 @@
 </p:sld>
 </file>
 
+<file path=ppt/slides/slide8.xml><?xml version="1.0" encoding="utf-8"?>
+<p:sld xmlns:a="http://schemas.openxmlformats.org/drawingml/2006/main" xmlns:r="http://schemas.openxmlformats.org/officeDocument/2006/relationships" xmlns:p="http://schemas.openxmlformats.org/presentationml/2006/main">
+  <p:cSld>
+    <p:spTree>
+      <p:nvGrpSpPr>
+        <p:cNvPr id="1" name=""/>
+        <p:cNvGrpSpPr/>
+        <p:nvPr/>
+      </p:nvGrpSpPr>
+      <p:grpSpPr>
+        <a:xfrm>
+          <a:off x="0" y="0"/>
+          <a:ext cx="0" cy="0"/>
+          <a:chOff x="0" y="0"/>
+          <a:chExt cx="0" cy="0"/>
+        </a:xfrm>
+      </p:grpSpPr>
+      <p:sp>
+        <p:nvSpPr>
+          <p:cNvPr id="2" name="제목 1">
+            <a:extLst>
+              <a:ext uri="{FF2B5EF4-FFF2-40B4-BE49-F238E27FC236}">
+                <a16:creationId xmlns:a16="http://schemas.microsoft.com/office/drawing/2014/main" id="{C09C54F0-9C80-49FB-8FA0-88B550CB3CD1}"/>
+              </a:ext>
+            </a:extLst>
+          </p:cNvPr>
+          <p:cNvSpPr>
+            <a:spLocks noGrp="1"/>
+          </p:cNvSpPr>
+          <p:nvPr>
+            <p:ph type="title"/>
+          </p:nvPr>
+        </p:nvSpPr>
+        <p:spPr/>
+        <p:txBody>
+          <a:bodyPr/>
+          <a:lstStyle/>
+          <a:p>
+            <a:r>
+              <a:rPr lang="en-US" altLang="ko-KR" dirty="0"/>
+              <a:t>Action items 6/1/2020</a:t>
+            </a:r>
+            <a:endParaRPr lang="en-US" dirty="0"/>
+          </a:p>
+        </p:txBody>
+      </p:sp>
+      <p:sp>
+        <p:nvSpPr>
+          <p:cNvPr id="3" name="내용 개체 틀 2">
+            <a:extLst>
+              <a:ext uri="{FF2B5EF4-FFF2-40B4-BE49-F238E27FC236}">
+                <a16:creationId xmlns:a16="http://schemas.microsoft.com/office/drawing/2014/main" id="{A3D6E3EE-52E8-4EC6-89FD-04456878DA73}"/>
+              </a:ext>
+            </a:extLst>
+          </p:cNvPr>
+          <p:cNvSpPr>
+            <a:spLocks noGrp="1"/>
+          </p:cNvSpPr>
+          <p:nvPr>
+            <p:ph idx="1"/>
+          </p:nvPr>
+        </p:nvSpPr>
+        <p:spPr/>
+        <p:txBody>
+          <a:bodyPr>
+            <a:normAutofit/>
+          </a:bodyPr>
+          <a:lstStyle/>
+          <a:p>
+            <a:r>
+              <a:rPr lang="ko-KR" altLang="en-US" dirty="0"/>
+              <a:t>박교수님</a:t>
+            </a:r>
+            <a:r>
+              <a:rPr lang="en-US" altLang="ko-KR" dirty="0"/>
+              <a:t>:</a:t>
+            </a:r>
+          </a:p>
+          <a:p>
+            <a:pPr lvl="1"/>
+            <a:r>
+              <a:rPr lang="ko-KR" altLang="en-US" dirty="0"/>
+              <a:t>페이퍼 작성</a:t>
+            </a:r>
+            <a:r>
+              <a:rPr lang="en-US" altLang="ko-KR" dirty="0"/>
+              <a:t>, </a:t>
+            </a:r>
+            <a:r>
+              <a:rPr lang="ko-KR" altLang="en-US" dirty="0"/>
+              <a:t>데이터 정확성 확인</a:t>
+            </a:r>
+            <a:endParaRPr lang="en-US" altLang="ko-KR" dirty="0"/>
+          </a:p>
+          <a:p>
+            <a:r>
+              <a:rPr lang="ko-KR" altLang="en-US" dirty="0"/>
+              <a:t>장박사님</a:t>
+            </a:r>
+            <a:r>
+              <a:rPr lang="en-US" altLang="ko-KR" dirty="0"/>
+              <a:t>:</a:t>
+            </a:r>
+          </a:p>
+          <a:p>
+            <a:pPr lvl="1"/>
+            <a:r>
+              <a:rPr lang="ko-KR" altLang="en-US" dirty="0"/>
+              <a:t>페이퍼 작성</a:t>
+            </a:r>
+            <a:endParaRPr lang="en-US" altLang="ko-KR" dirty="0"/>
+          </a:p>
+          <a:p>
+            <a:r>
+              <a:rPr lang="ko-KR" altLang="en-US" dirty="0"/>
+              <a:t>제임스</a:t>
+            </a:r>
+            <a:r>
+              <a:rPr lang="en-US" altLang="ko-KR" dirty="0"/>
+              <a:t>:</a:t>
+            </a:r>
+          </a:p>
+          <a:p>
+            <a:pPr lvl="1"/>
+            <a:r>
+              <a:rPr lang="ko-KR" altLang="en-US" dirty="0"/>
+              <a:t>페이퍼 작성</a:t>
+            </a:r>
+            <a:r>
+              <a:rPr lang="en-US" altLang="ko-KR" dirty="0"/>
+              <a:t>, </a:t>
+            </a:r>
+            <a:r>
+              <a:rPr lang="ko-KR" altLang="en-US" dirty="0"/>
+              <a:t>데이터 정확성 확인</a:t>
+            </a:r>
+            <a:endParaRPr lang="en-US" altLang="ko-KR" dirty="0"/>
+          </a:p>
+          <a:p>
+            <a:r>
+              <a:rPr lang="ko-KR" altLang="en-US" dirty="0" err="1"/>
+              <a:t>박박사</a:t>
+            </a:r>
+            <a:r>
+              <a:rPr lang="en-US" altLang="ko-KR" dirty="0"/>
+              <a:t>:</a:t>
+            </a:r>
+          </a:p>
+          <a:p>
+            <a:pPr lvl="1"/>
+            <a:r>
+              <a:rPr lang="ko-KR" altLang="en-US" dirty="0"/>
+              <a:t>페이퍼 작성</a:t>
+            </a:r>
+            <a:r>
+              <a:rPr lang="en-US" altLang="ko-KR" dirty="0"/>
+              <a:t>, </a:t>
+            </a:r>
+            <a:r>
+              <a:rPr lang="ko-KR" altLang="en-US" dirty="0"/>
+              <a:t>기존</a:t>
+            </a:r>
+            <a:r>
+              <a:rPr lang="en-US" dirty="0"/>
+              <a:t> </a:t>
+            </a:r>
+            <a:r>
+              <a:rPr lang="ko-KR" altLang="en-US" dirty="0"/>
+              <a:t>알고리즘 코드 작성 </a:t>
+            </a:r>
+            <a:endParaRPr lang="en-US" altLang="ko-KR" dirty="0"/>
+          </a:p>
+          <a:p>
+            <a:pPr marL="457200" lvl="1" indent="0">
+              <a:buNone/>
+            </a:pPr>
+            <a:endParaRPr lang="en-US" altLang="ko-KR" dirty="0"/>
+          </a:p>
+          <a:p>
+            <a:endParaRPr lang="en-US" dirty="0"/>
+          </a:p>
+        </p:txBody>
+      </p:sp>
+    </p:spTree>
+    <p:extLst>
+      <p:ext uri="{BB962C8B-B14F-4D97-AF65-F5344CB8AC3E}">
+        <p14:creationId xmlns:p14="http://schemas.microsoft.com/office/powerpoint/2010/main" val="3148942360"/>
+      </p:ext>
+    </p:extLst>
+  </p:cSld>
+  <p:clrMapOvr>
+    <a:masterClrMapping/>
+  </p:clrMapOvr>
+</p:sld>
+</file>
+
 <file path=ppt/theme/theme1.xml><?xml version="1.0" encoding="utf-8"?>
 <a:theme xmlns:a="http://schemas.openxmlformats.org/drawingml/2006/main" name="Office 테마">
   <a:themeElements>
